--- a/talk/talk.pptx
+++ b/talk/talk.pptx
@@ -8,16 +8,17 @@
     <p:sldId id="257" r:id="rId2"/>
     <p:sldId id="258" r:id="rId3"/>
     <p:sldId id="259" r:id="rId4"/>
-    <p:sldId id="260" r:id="rId5"/>
-    <p:sldId id="261" r:id="rId6"/>
-    <p:sldId id="262" r:id="rId7"/>
-    <p:sldId id="263" r:id="rId8"/>
-    <p:sldId id="264" r:id="rId9"/>
-    <p:sldId id="265" r:id="rId10"/>
-    <p:sldId id="266" r:id="rId11"/>
-    <p:sldId id="267" r:id="rId12"/>
-    <p:sldId id="268" r:id="rId13"/>
-    <p:sldId id="269" r:id="rId14"/>
+    <p:sldId id="262" r:id="rId5"/>
+    <p:sldId id="263" r:id="rId6"/>
+    <p:sldId id="270" r:id="rId7"/>
+    <p:sldId id="264" r:id="rId8"/>
+    <p:sldId id="265" r:id="rId9"/>
+    <p:sldId id="260" r:id="rId10"/>
+    <p:sldId id="261" r:id="rId11"/>
+    <p:sldId id="266" r:id="rId12"/>
+    <p:sldId id="267" r:id="rId13"/>
+    <p:sldId id="268" r:id="rId14"/>
+    <p:sldId id="269" r:id="rId15"/>
   </p:sldIdLst>
   <p:sldSz cx="12192000" cy="6858000"/>
   <p:notesSz cx="6858000" cy="9144000"/>
@@ -124,12 +125,13 @@
             <p14:sldId id="257"/>
             <p14:sldId id="258"/>
             <p14:sldId id="259"/>
+            <p14:sldId id="262"/>
+            <p14:sldId id="263"/>
+            <p14:sldId id="270"/>
+            <p14:sldId id="264"/>
+            <p14:sldId id="265"/>
             <p14:sldId id="260"/>
             <p14:sldId id="261"/>
-            <p14:sldId id="262"/>
-            <p14:sldId id="263"/>
-            <p14:sldId id="264"/>
-            <p14:sldId id="265"/>
             <p14:sldId id="266"/>
             <p14:sldId id="267"/>
             <p14:sldId id="268"/>
@@ -137,6 +139,9 @@
           </p14:sldIdLst>
         </p14:section>
       </p14:sectionLst>
+    </p:ext>
+    <p:ext uri="{EFAFB233-063F-42B5-8137-9DF3F51BA10A}">
+      <p15:sldGuideLst xmlns:p15="http://schemas.microsoft.com/office/powerpoint/2012/main"/>
     </p:ext>
   </p:extLst>
 </p:presentation>
@@ -4253,7 +4258,7 @@
           <a:p>
             <a:r>
               <a:rPr lang="en-AU" dirty="0" smtClean="0"/>
-              <a:t>Intro</a:t>
+              <a:t>Intro to Flexbox</a:t>
             </a:r>
             <a:endParaRPr lang="en-AU" dirty="0"/>
           </a:p>
@@ -4289,9 +4294,21 @@
           </a:p>
           <a:p>
             <a:r>
+              <a:rPr lang="en-AU" dirty="0"/>
+              <a:t>Flex-grow, flex-shrink, </a:t>
+            </a:r>
+            <a:r>
+              <a:rPr lang="en-AU" dirty="0" smtClean="0"/>
+              <a:t>flex-basis</a:t>
+            </a:r>
+            <a:endParaRPr lang="en-AU" dirty="0" smtClean="0"/>
+          </a:p>
+          <a:p>
+            <a:r>
               <a:rPr lang="en-AU" dirty="0" smtClean="0"/>
               <a:t>Wrapping</a:t>
             </a:r>
+            <a:endParaRPr lang="en-AU" dirty="0" smtClean="0"/>
           </a:p>
           <a:p>
             <a:r>
@@ -4302,13 +4319,11 @@
           <a:p>
             <a:r>
               <a:rPr lang="en-AU" dirty="0" smtClean="0"/>
-              <a:t>Flex-grow, flex-shrink, flex-basis</a:t>
-            </a:r>
-          </a:p>
-          <a:p>
-            <a:r>
-              <a:rPr lang="en-AU" dirty="0" smtClean="0"/>
-              <a:t>Does CSS Grid replace flexbox?</a:t>
+              <a:t>Does </a:t>
+            </a:r>
+            <a:r>
+              <a:rPr lang="en-AU" dirty="0" smtClean="0"/>
+              <a:t>CSS Grid replace flexbox?</a:t>
             </a:r>
           </a:p>
           <a:p>
@@ -4320,14 +4335,13 @@
           <a:p>
             <a:r>
               <a:rPr lang="en-AU" dirty="0" smtClean="0"/>
-              <a:t>Getting started with flexbox in your website</a:t>
-            </a:r>
-          </a:p>
-          <a:p>
+              <a:t>Getting started with flexbox in your </a:t>
+            </a:r>
+            <a:r>
+              <a:rPr lang="en-AU" dirty="0" smtClean="0"/>
+              <a:t>website</a:t>
+            </a:r>
             <a:endParaRPr lang="en-AU" dirty="0" smtClean="0"/>
-          </a:p>
-          <a:p>
-            <a:endParaRPr lang="en-AU" dirty="0"/>
           </a:p>
         </p:txBody>
       </p:sp>
@@ -4385,7 +4399,7 @@
           <a:p>
             <a:r>
               <a:rPr lang="en-AU" dirty="0" smtClean="0"/>
-              <a:t>Does CSS Grid replace flexbox?</a:t>
+              <a:t>Varying individual flex items</a:t>
             </a:r>
             <a:endParaRPr lang="en-AU" dirty="0"/>
           </a:p>
@@ -4403,66 +4417,69 @@
         </p:nvSpPr>
         <p:spPr/>
         <p:txBody>
-          <a:bodyPr>
-            <a:normAutofit/>
-          </a:bodyPr>
+          <a:bodyPr/>
           <a:lstStyle/>
           <a:p>
             <a:r>
               <a:rPr lang="en-AU" dirty="0" smtClean="0"/>
-              <a:t>No</a:t>
-            </a:r>
-          </a:p>
-          <a:p>
-            <a:r>
-              <a:rPr lang="en-AU" dirty="0" smtClean="0"/>
-              <a:t>CSS Grid is a 2 dimensional layout tool. Flexbox is 1 dimensional</a:t>
-            </a:r>
-          </a:p>
-          <a:p>
-            <a:r>
-              <a:rPr lang="en-AU" dirty="0" smtClean="0"/>
-              <a:t>Currently has less support than flexbox</a:t>
-            </a:r>
-          </a:p>
-          <a:p>
-            <a:r>
-              <a:rPr lang="en-AU" dirty="0" smtClean="0"/>
-              <a:t>Each can do things the other cannot</a:t>
-            </a:r>
-          </a:p>
-          <a:p>
-            <a:r>
-              <a:rPr lang="en-AU" dirty="0" smtClean="0"/>
-              <a:t>Each has similarities</a:t>
-            </a:r>
-          </a:p>
-          <a:p>
-            <a:r>
-              <a:rPr lang="en-US" dirty="0" smtClean="0"/>
-              <a:t>Jen Simmons on YouTube Flexbox vs CSS Grid</a:t>
+              <a:t>Over-ride cross axis alignment</a:t>
             </a:r>
           </a:p>
           <a:p>
             <a:pPr lvl="1"/>
             <a:r>
-              <a:rPr lang="en-AU" dirty="0" smtClean="0"/>
-              <a:t>https://www.youtube.com/watch?v=hs3piaN4b5I</a:t>
-            </a:r>
-            <a:endParaRPr lang="en-AU" dirty="0"/>
+              <a:rPr lang="en-US" sz="2000" dirty="0" smtClean="0">
+                <a:latin typeface="Consolas" panose="020B0609020204030204" pitchFamily="49" charset="0"/>
+              </a:rPr>
+              <a:t>align-self: [flex-start, flex-end, center, stretch, space-around, space-between];</a:t>
+            </a:r>
+            <a:endParaRPr lang="en-AU" sz="2000" dirty="0" smtClean="0">
+              <a:latin typeface="Consolas" panose="020B0609020204030204" pitchFamily="49" charset="0"/>
+            </a:endParaRPr>
+          </a:p>
+          <a:p>
+            <a:r>
+              <a:rPr lang="en-AU" dirty="0" smtClean="0"/>
+              <a:t>Re-ordering display</a:t>
+            </a:r>
+          </a:p>
+          <a:p>
+            <a:pPr lvl="1"/>
+            <a:r>
+              <a:rPr lang="en-AU" sz="2000" dirty="0">
+                <a:latin typeface="Consolas" panose="020B0609020204030204" pitchFamily="49" charset="0"/>
+              </a:rPr>
+              <a:t>o</a:t>
+            </a:r>
+            <a:r>
+              <a:rPr lang="en-AU" sz="2000" dirty="0" smtClean="0">
+                <a:latin typeface="Consolas" panose="020B0609020204030204" pitchFamily="49" charset="0"/>
+              </a:rPr>
+              <a:t>rder: [integer];</a:t>
+            </a:r>
+            <a:endParaRPr lang="en-AU" sz="2000" dirty="0">
+              <a:latin typeface="Consolas" panose="020B0609020204030204" pitchFamily="49" charset="0"/>
+            </a:endParaRPr>
           </a:p>
         </p:txBody>
       </p:sp>
     </p:spTree>
     <p:extLst>
       <p:ext uri="{BB962C8B-B14F-4D97-AF65-F5344CB8AC3E}">
-        <p14:creationId xmlns:p14="http://schemas.microsoft.com/office/powerpoint/2010/main" val="1306479823"/>
+        <p14:creationId xmlns:p14="http://schemas.microsoft.com/office/powerpoint/2010/main" val="1591331209"/>
       </p:ext>
     </p:extLst>
   </p:cSld>
   <p:clrMapOvr>
     <a:masterClrMapping/>
   </p:clrMapOvr>
+  <p:timing>
+    <p:tnLst>
+      <p:par>
+        <p:cTn id="1" dur="indefinite" restart="never" nodeType="tmRoot"/>
+      </p:par>
+    </p:tnLst>
+  </p:timing>
 </p:sld>
 </file>
 
@@ -4500,7 +4517,7 @@
           <a:p>
             <a:r>
               <a:rPr lang="en-AU" dirty="0" smtClean="0"/>
-              <a:t>Bootstrap 4</a:t>
+              <a:t>Does CSS Grid replace flexbox?</a:t>
             </a:r>
             <a:endParaRPr lang="en-AU" dirty="0"/>
           </a:p>
@@ -4519,153 +4536,51 @@
         <p:spPr/>
         <p:txBody>
           <a:bodyPr>
-            <a:normAutofit fontScale="85000" lnSpcReduction="20000"/>
+            <a:normAutofit/>
           </a:bodyPr>
           <a:lstStyle/>
           <a:p>
             <a:r>
               <a:rPr lang="en-AU" dirty="0" smtClean="0"/>
-              <a:t>What’s good in Bootstrap 4?</a:t>
+              <a:t>No</a:t>
+            </a:r>
+          </a:p>
+          <a:p>
+            <a:r>
+              <a:rPr lang="en-AU" dirty="0" smtClean="0"/>
+              <a:t>CSS Grid is a 2 dimensional layout tool. Flexbox is 1 dimensional</a:t>
+            </a:r>
+          </a:p>
+          <a:p>
+            <a:r>
+              <a:rPr lang="en-AU" dirty="0" smtClean="0"/>
+              <a:t>Currently has less support than flexbox</a:t>
+            </a:r>
+          </a:p>
+          <a:p>
+            <a:r>
+              <a:rPr lang="en-AU" dirty="0" smtClean="0"/>
+              <a:t>Each can do things the other cannot</a:t>
+            </a:r>
+          </a:p>
+          <a:p>
+            <a:r>
+              <a:rPr lang="en-AU" dirty="0" smtClean="0"/>
+              <a:t>Each has similarities</a:t>
+            </a:r>
+          </a:p>
+          <a:p>
+            <a:r>
+              <a:rPr lang="en-US" dirty="0" smtClean="0"/>
+              <a:t>Jen Simmons on YouTube Flexbox vs CSS Grid</a:t>
             </a:r>
           </a:p>
           <a:p>
             <a:pPr lvl="1"/>
             <a:r>
               <a:rPr lang="en-AU" dirty="0" smtClean="0"/>
-              <a:t>It will support IE10 and iOS 7</a:t>
-            </a:r>
-          </a:p>
-          <a:p>
-            <a:pPr lvl="1"/>
-            <a:r>
-              <a:rPr lang="en-AU" dirty="0" smtClean="0"/>
-              <a:t>Non-objectionable default look for the graphically challenged</a:t>
-            </a:r>
-          </a:p>
-          <a:p>
-            <a:pPr lvl="1"/>
-            <a:r>
-              <a:rPr lang="en-AU" dirty="0" smtClean="0"/>
-              <a:t>Usable set of components</a:t>
-            </a:r>
-          </a:p>
-          <a:p>
-            <a:pPr lvl="1"/>
-            <a:r>
-              <a:rPr lang="en-AU" dirty="0" smtClean="0"/>
-              <a:t>CSS Properties!</a:t>
-            </a:r>
-          </a:p>
-          <a:p>
-            <a:pPr lvl="1"/>
-            <a:r>
-              <a:rPr lang="en-AU" dirty="0" err="1" smtClean="0"/>
-              <a:t>Package.json</a:t>
-            </a:r>
-            <a:r>
-              <a:rPr lang="en-AU" dirty="0" smtClean="0"/>
-              <a:t> is all </a:t>
-            </a:r>
-            <a:r>
-              <a:rPr lang="en-AU" dirty="0" err="1" smtClean="0"/>
-              <a:t>npm</a:t>
-            </a:r>
-            <a:r>
-              <a:rPr lang="en-AU" dirty="0" smtClean="0"/>
-              <a:t> scripts</a:t>
-            </a:r>
-          </a:p>
-          <a:p>
-            <a:pPr lvl="2"/>
-            <a:r>
-              <a:rPr lang="en-AU" dirty="0" smtClean="0"/>
-              <a:t>Should make for a good learning tool</a:t>
-            </a:r>
-          </a:p>
-          <a:p>
-            <a:r>
-              <a:rPr lang="en-AU" dirty="0" smtClean="0"/>
-              <a:t>What’s not so good?</a:t>
-            </a:r>
-          </a:p>
-          <a:p>
-            <a:pPr lvl="1"/>
-            <a:r>
-              <a:rPr lang="en-AU" dirty="0" smtClean="0"/>
-              <a:t>For IE11 or later</a:t>
-            </a:r>
-          </a:p>
-          <a:p>
-            <a:pPr lvl="2"/>
-            <a:r>
-              <a:rPr lang="en-AU" dirty="0" smtClean="0"/>
-              <a:t>Nothing compelling in its layout system to warrant its use</a:t>
-            </a:r>
-          </a:p>
-          <a:p>
-            <a:pPr lvl="1"/>
-            <a:r>
-              <a:rPr lang="en-AU" dirty="0" smtClean="0"/>
-              <a:t>!important soup</a:t>
-            </a:r>
-          </a:p>
-          <a:p>
-            <a:pPr lvl="1"/>
-            <a:r>
-              <a:rPr lang="en-AU" dirty="0" smtClean="0"/>
-              <a:t>Lots of classes that do very little</a:t>
-            </a:r>
-          </a:p>
-          <a:p>
-            <a:pPr lvl="2"/>
-            <a:r>
-              <a:rPr lang="en-AU" dirty="0"/>
-              <a:t>d</a:t>
-            </a:r>
-            <a:r>
-              <a:rPr lang="en-AU" dirty="0" smtClean="0"/>
-              <a:t>-flex</a:t>
-            </a:r>
-          </a:p>
-          <a:p>
-            <a:pPr lvl="3"/>
-            <a:r>
-              <a:rPr lang="en-AU" dirty="0" smtClean="0"/>
-              <a:t>Applies display: flex;</a:t>
-            </a:r>
-          </a:p>
-          <a:p>
-            <a:pPr lvl="2"/>
-            <a:r>
-              <a:rPr lang="en-AU" dirty="0"/>
-              <a:t>j</a:t>
-            </a:r>
-            <a:r>
-              <a:rPr lang="en-AU" dirty="0" smtClean="0"/>
-              <a:t>ustify-content-</a:t>
-            </a:r>
-            <a:r>
-              <a:rPr lang="en-AU" dirty="0" err="1" smtClean="0"/>
-              <a:t>center</a:t>
-            </a:r>
-            <a:endParaRPr lang="en-AU" dirty="0"/>
-          </a:p>
-          <a:p>
-            <a:pPr lvl="3"/>
-            <a:r>
-              <a:rPr lang="en-AU" dirty="0" smtClean="0"/>
-              <a:t>Applies justify-content: </a:t>
-            </a:r>
-            <a:r>
-              <a:rPr lang="en-AU" dirty="0" err="1" smtClean="0"/>
-              <a:t>center</a:t>
-            </a:r>
-            <a:r>
-              <a:rPr lang="en-AU" dirty="0" smtClean="0"/>
-              <a:t>;</a:t>
-            </a:r>
-          </a:p>
-          <a:p>
+              <a:t>https://www.youtube.com/watch?v=hs3piaN4b5I</a:t>
+            </a:r>
             <a:endParaRPr lang="en-AU" dirty="0"/>
           </a:p>
         </p:txBody>
@@ -4673,7 +4588,7 @@
     </p:spTree>
     <p:extLst>
       <p:ext uri="{BB962C8B-B14F-4D97-AF65-F5344CB8AC3E}">
-        <p14:creationId xmlns:p14="http://schemas.microsoft.com/office/powerpoint/2010/main" val="2051639039"/>
+        <p14:creationId xmlns:p14="http://schemas.microsoft.com/office/powerpoint/2010/main" val="1306479823"/>
       </p:ext>
     </p:extLst>
   </p:cSld>
@@ -4717,7 +4632,7 @@
           <a:p>
             <a:r>
               <a:rPr lang="en-AU" dirty="0" smtClean="0"/>
-              <a:t>Getting started</a:t>
+              <a:t>Bootstrap 4</a:t>
             </a:r>
             <a:endParaRPr lang="en-AU" dirty="0"/>
           </a:p>
@@ -4736,62 +4651,150 @@
         <p:spPr/>
         <p:txBody>
           <a:bodyPr>
-            <a:normAutofit/>
+            <a:normAutofit fontScale="92500" lnSpcReduction="20000"/>
           </a:bodyPr>
           <a:lstStyle/>
           <a:p>
             <a:r>
-              <a:rPr lang="en-US" dirty="0" smtClean="0"/>
-              <a:t>browser support </a:t>
+              <a:rPr lang="en-AU" dirty="0" smtClean="0"/>
+              <a:t>What’s good in Bootstrap 4?</a:t>
             </a:r>
           </a:p>
           <a:p>
             <a:pPr lvl="1"/>
             <a:r>
-              <a:rPr lang="en-US" dirty="0" smtClean="0"/>
-              <a:t>caniuse.com: http://caniuse.com/#feat=flexbox</a:t>
-            </a:r>
-          </a:p>
-          <a:p>
-            <a:r>
-              <a:rPr lang="en-US" dirty="0" smtClean="0"/>
-              <a:t>start small</a:t>
+              <a:rPr lang="en-AU" dirty="0" smtClean="0"/>
+              <a:t>It will support IE10 and iOS 7</a:t>
             </a:r>
           </a:p>
           <a:p>
             <a:pPr lvl="1"/>
             <a:r>
-              <a:rPr lang="en-US" dirty="0" smtClean="0"/>
-              <a:t>center a single element on both axes</a:t>
+              <a:rPr lang="en-AU" dirty="0" smtClean="0"/>
+              <a:t>Non-objectionable default look for the graphically challenged</a:t>
             </a:r>
           </a:p>
           <a:p>
             <a:pPr lvl="1"/>
             <a:r>
-              <a:rPr lang="en-US" dirty="0" smtClean="0"/>
-              <a:t>add an optional element beside another </a:t>
+              <a:rPr lang="en-AU" dirty="0" smtClean="0"/>
+              <a:t>Usable set of components</a:t>
+            </a:r>
+          </a:p>
+          <a:p>
+            <a:pPr lvl="1"/>
+            <a:r>
+              <a:rPr lang="en-AU" dirty="0" smtClean="0"/>
+              <a:t>CSS Properties!</a:t>
+            </a:r>
+          </a:p>
+          <a:p>
+            <a:pPr lvl="1"/>
+            <a:r>
+              <a:rPr lang="en-AU" dirty="0" err="1" smtClean="0"/>
+              <a:t>Package.json</a:t>
+            </a:r>
+            <a:r>
+              <a:rPr lang="en-AU" dirty="0" smtClean="0"/>
+              <a:t> is all </a:t>
+            </a:r>
+            <a:r>
+              <a:rPr lang="en-AU" dirty="0" err="1" smtClean="0"/>
+              <a:t>npm</a:t>
+            </a:r>
+            <a:r>
+              <a:rPr lang="en-AU" dirty="0" smtClean="0"/>
+              <a:t> scripts</a:t>
+            </a:r>
+          </a:p>
+          <a:p>
+            <a:r>
+              <a:rPr lang="en-AU" dirty="0" smtClean="0"/>
+              <a:t>What’s </a:t>
+            </a:r>
+            <a:r>
+              <a:rPr lang="en-AU" dirty="0" smtClean="0"/>
+              <a:t>not so good?</a:t>
+            </a:r>
+          </a:p>
+          <a:p>
+            <a:pPr lvl="1"/>
+            <a:r>
+              <a:rPr lang="en-AU" dirty="0" smtClean="0"/>
+              <a:t>For IE11 or later</a:t>
             </a:r>
           </a:p>
           <a:p>
             <a:pPr lvl="2"/>
             <a:r>
-              <a:rPr lang="en-US" dirty="0" smtClean="0"/>
-              <a:t>no matter whether 1 or both elements are displayed, you need to center them vertically and horizontally</a:t>
+              <a:rPr lang="en-AU" dirty="0" smtClean="0"/>
+              <a:t>Nothing compelling in its layout system to warrant its use</a:t>
             </a:r>
           </a:p>
           <a:p>
             <a:pPr lvl="1"/>
             <a:r>
-              <a:rPr lang="en-US" dirty="0" smtClean="0"/>
-              <a:t>you could use it to layout a menu</a:t>
+              <a:rPr lang="en-AU" dirty="0" smtClean="0"/>
+              <a:t>!important soup</a:t>
+            </a:r>
+          </a:p>
+          <a:p>
+            <a:pPr lvl="1"/>
+            <a:r>
+              <a:rPr lang="en-AU" dirty="0" smtClean="0"/>
+              <a:t>Lots of classes that do very little</a:t>
             </a:r>
           </a:p>
           <a:p>
             <a:pPr lvl="2"/>
             <a:r>
-              <a:rPr lang="en-US" dirty="0" smtClean="0"/>
-              <a:t>perhaps the menu needs to display horizontally for wide displays and vertically on mobile</a:t>
-            </a:r>
+              <a:rPr lang="en-AU" dirty="0"/>
+              <a:t>d</a:t>
+            </a:r>
+            <a:r>
+              <a:rPr lang="en-AU" dirty="0" smtClean="0"/>
+              <a:t>-flex</a:t>
+            </a:r>
+          </a:p>
+          <a:p>
+            <a:pPr lvl="3"/>
+            <a:r>
+              <a:rPr lang="en-AU" dirty="0" smtClean="0"/>
+              <a:t>Applies display: flex;</a:t>
+            </a:r>
+          </a:p>
+          <a:p>
+            <a:pPr lvl="2"/>
+            <a:r>
+              <a:rPr lang="en-AU" dirty="0"/>
+              <a:t>j</a:t>
+            </a:r>
+            <a:r>
+              <a:rPr lang="en-AU" dirty="0" smtClean="0"/>
+              <a:t>ustify-content-</a:t>
+            </a:r>
+            <a:r>
+              <a:rPr lang="en-AU" dirty="0" err="1" smtClean="0"/>
+              <a:t>center</a:t>
+            </a:r>
+            <a:endParaRPr lang="en-AU" dirty="0"/>
+          </a:p>
+          <a:p>
+            <a:pPr lvl="3"/>
+            <a:r>
+              <a:rPr lang="en-AU" dirty="0" smtClean="0"/>
+              <a:t>Applies justify-content: </a:t>
+            </a:r>
+            <a:r>
+              <a:rPr lang="en-AU" dirty="0" err="1" smtClean="0"/>
+              <a:t>center</a:t>
+            </a:r>
+            <a:r>
+              <a:rPr lang="en-AU" dirty="0" smtClean="0"/>
+              <a:t>;</a:t>
+            </a:r>
+          </a:p>
+          <a:p>
             <a:endParaRPr lang="en-AU" dirty="0"/>
           </a:p>
         </p:txBody>
@@ -4799,7 +4802,7 @@
     </p:spTree>
     <p:extLst>
       <p:ext uri="{BB962C8B-B14F-4D97-AF65-F5344CB8AC3E}">
-        <p14:creationId xmlns:p14="http://schemas.microsoft.com/office/powerpoint/2010/main" val="2308051213"/>
+        <p14:creationId xmlns:p14="http://schemas.microsoft.com/office/powerpoint/2010/main" val="2051639039"/>
       </p:ext>
     </p:extLst>
   </p:cSld>
@@ -4843,6 +4846,132 @@
           <a:p>
             <a:r>
               <a:rPr lang="en-AU" dirty="0" smtClean="0"/>
+              <a:t>Getting started</a:t>
+            </a:r>
+            <a:endParaRPr lang="en-AU" dirty="0"/>
+          </a:p>
+        </p:txBody>
+      </p:sp>
+      <p:sp>
+        <p:nvSpPr>
+          <p:cNvPr id="3" name="Content Placeholder 2"/>
+          <p:cNvSpPr>
+            <a:spLocks noGrp="1"/>
+          </p:cNvSpPr>
+          <p:nvPr>
+            <p:ph idx="1"/>
+          </p:nvPr>
+        </p:nvSpPr>
+        <p:spPr/>
+        <p:txBody>
+          <a:bodyPr>
+            <a:normAutofit/>
+          </a:bodyPr>
+          <a:lstStyle/>
+          <a:p>
+            <a:r>
+              <a:rPr lang="en-US" dirty="0" smtClean="0"/>
+              <a:t>browser support </a:t>
+            </a:r>
+          </a:p>
+          <a:p>
+            <a:pPr lvl="1"/>
+            <a:r>
+              <a:rPr lang="en-US" dirty="0" smtClean="0"/>
+              <a:t>caniuse.com: http://caniuse.com/#feat=flexbox</a:t>
+            </a:r>
+          </a:p>
+          <a:p>
+            <a:r>
+              <a:rPr lang="en-US" dirty="0" smtClean="0"/>
+              <a:t>start small</a:t>
+            </a:r>
+          </a:p>
+          <a:p>
+            <a:pPr lvl="1"/>
+            <a:r>
+              <a:rPr lang="en-US" dirty="0" smtClean="0"/>
+              <a:t>center a single element on both axes</a:t>
+            </a:r>
+          </a:p>
+          <a:p>
+            <a:pPr lvl="1"/>
+            <a:r>
+              <a:rPr lang="en-US" dirty="0" smtClean="0"/>
+              <a:t>add an optional element beside another </a:t>
+            </a:r>
+          </a:p>
+          <a:p>
+            <a:pPr lvl="2"/>
+            <a:r>
+              <a:rPr lang="en-US" dirty="0" smtClean="0"/>
+              <a:t>no matter whether 1 or both elements are displayed, you need to center them vertically and horizontally</a:t>
+            </a:r>
+          </a:p>
+          <a:p>
+            <a:pPr lvl="1"/>
+            <a:r>
+              <a:rPr lang="en-US" dirty="0" smtClean="0"/>
+              <a:t>you could use it to layout a menu</a:t>
+            </a:r>
+          </a:p>
+          <a:p>
+            <a:pPr lvl="2"/>
+            <a:r>
+              <a:rPr lang="en-US" dirty="0" smtClean="0"/>
+              <a:t>perhaps the menu needs to display horizontally for wide displays and vertically on mobile</a:t>
+            </a:r>
+            <a:endParaRPr lang="en-AU" dirty="0"/>
+          </a:p>
+        </p:txBody>
+      </p:sp>
+    </p:spTree>
+    <p:extLst>
+      <p:ext uri="{BB962C8B-B14F-4D97-AF65-F5344CB8AC3E}">
+        <p14:creationId xmlns:p14="http://schemas.microsoft.com/office/powerpoint/2010/main" val="2308051213"/>
+      </p:ext>
+    </p:extLst>
+  </p:cSld>
+  <p:clrMapOvr>
+    <a:masterClrMapping/>
+  </p:clrMapOvr>
+</p:sld>
+</file>
+
+<file path=ppt/slides/slide14.xml><?xml version="1.0" encoding="utf-8"?>
+<p:sld xmlns:a="http://schemas.openxmlformats.org/drawingml/2006/main" xmlns:r="http://schemas.openxmlformats.org/officeDocument/2006/relationships" xmlns:p="http://schemas.openxmlformats.org/presentationml/2006/main">
+  <p:cSld>
+    <p:spTree>
+      <p:nvGrpSpPr>
+        <p:cNvPr id="1" name=""/>
+        <p:cNvGrpSpPr/>
+        <p:nvPr/>
+      </p:nvGrpSpPr>
+      <p:grpSpPr>
+        <a:xfrm>
+          <a:off x="0" y="0"/>
+          <a:ext cx="0" cy="0"/>
+          <a:chOff x="0" y="0"/>
+          <a:chExt cx="0" cy="0"/>
+        </a:xfrm>
+      </p:grpSpPr>
+      <p:sp>
+        <p:nvSpPr>
+          <p:cNvPr id="2" name="Title 1"/>
+          <p:cNvSpPr>
+            <a:spLocks noGrp="1"/>
+          </p:cNvSpPr>
+          <p:nvPr>
+            <p:ph type="title"/>
+          </p:nvPr>
+        </p:nvSpPr>
+        <p:spPr/>
+        <p:txBody>
+          <a:bodyPr/>
+          <a:lstStyle/>
+          <a:p>
+            <a:r>
+              <a:rPr lang="en-AU" dirty="0" smtClean="0"/>
               <a:t>Resources</a:t>
             </a:r>
             <a:endParaRPr lang="en-AU" dirty="0"/>
@@ -4946,7 +5075,6 @@
               <a:rPr lang="en-AU" dirty="0" smtClean="0"/>
               <a:t>https://css-tricks.com/snippets/css/a-guide-to-flexbox/</a:t>
             </a:r>
-            <a:endParaRPr lang="en-AU" dirty="0" smtClean="0"/>
           </a:p>
           <a:p>
             <a:r>
@@ -5068,6 +5196,30 @@
           </a:p>
         </p:txBody>
       </p:sp>
+      <p:pic>
+        <p:nvPicPr>
+          <p:cNvPr id="4" name="Picture 3"/>
+          <p:cNvPicPr>
+            <a:picLocks noChangeAspect="1"/>
+          </p:cNvPicPr>
+          <p:nvPr/>
+        </p:nvPicPr>
+        <p:blipFill>
+          <a:blip r:embed="rId2"/>
+          <a:stretch>
+            <a:fillRect/>
+          </a:stretch>
+        </p:blipFill>
+        <p:spPr>
+          <a:xfrm>
+            <a:off x="5923955" y="2452083"/>
+            <a:ext cx="5730737" cy="3932261"/>
+          </a:xfrm>
+          <a:prstGeom prst="rect">
+            <a:avLst/>
+          </a:prstGeom>
+        </p:spPr>
+      </p:pic>
     </p:spTree>
     <p:extLst>
       <p:ext uri="{BB962C8B-B14F-4D97-AF65-F5344CB8AC3E}">
@@ -5198,7 +5350,19 @@
               <a:rPr lang="en-US" sz="2200" dirty="0" smtClean="0">
                 <a:latin typeface="Consolas" panose="020B0609020204030204" pitchFamily="49" charset="0"/>
               </a:rPr>
-              <a:t>justify-content: [flex-start, flex-end, center, stretch, space-around, space-between];</a:t>
+              <a:t>justify-content: [flex-start, flex-end, center, </a:t>
+            </a:r>
+            <a:r>
+              <a:rPr lang="en-US" sz="2200" strike="sngStrike" dirty="0" smtClean="0">
+                <a:latin typeface="Consolas" panose="020B0609020204030204" pitchFamily="49" charset="0"/>
+              </a:rPr>
+              <a:t>stretch</a:t>
+            </a:r>
+            <a:r>
+              <a:rPr lang="en-US" sz="2200" dirty="0" smtClean="0">
+                <a:latin typeface="Consolas" panose="020B0609020204030204" pitchFamily="49" charset="0"/>
+              </a:rPr>
+              <a:t>, space-around, space-between];</a:t>
             </a:r>
             <a:endParaRPr lang="en-AU" sz="2200" dirty="0" smtClean="0">
               <a:latin typeface="Consolas" panose="020B0609020204030204" pitchFamily="49" charset="0"/>
@@ -5233,6 +5397,42 @@
             <a:endParaRPr lang="en-AU" sz="2200" dirty="0">
               <a:latin typeface="Consolas" panose="020B0609020204030204" pitchFamily="49" charset="0"/>
             </a:endParaRPr>
+          </a:p>
+        </p:txBody>
+      </p:sp>
+      <p:sp>
+        <p:nvSpPr>
+          <p:cNvPr id="4" name="TextBox 3"/>
+          <p:cNvSpPr txBox="1"/>
+          <p:nvPr/>
+        </p:nvSpPr>
+        <p:spPr>
+          <a:xfrm>
+            <a:off x="8503920" y="6159731"/>
+            <a:ext cx="2044149" cy="430887"/>
+          </a:xfrm>
+          <a:prstGeom prst="rect">
+            <a:avLst/>
+          </a:prstGeom>
+          <a:noFill/>
+        </p:spPr>
+        <p:txBody>
+          <a:bodyPr wrap="none" rtlCol="0">
+            <a:spAutoFit/>
+          </a:bodyPr>
+          <a:lstStyle/>
+          <a:p>
+            <a:r>
+              <a:rPr lang="en-AU" sz="1100" dirty="0" smtClean="0"/>
+              <a:t>Demo1\flex-directions.html</a:t>
+            </a:r>
+          </a:p>
+          <a:p>
+            <a:r>
+              <a:rPr lang="en-AU" sz="1100" dirty="0" smtClean="0"/>
+              <a:t>Demo1\align-justify.html</a:t>
+            </a:r>
+            <a:endParaRPr lang="en-AU" sz="1100" dirty="0"/>
           </a:p>
         </p:txBody>
       </p:sp>
@@ -5289,8 +5489,12 @@
           <a:lstStyle/>
           <a:p>
             <a:r>
-              <a:rPr lang="en-AU" dirty="0" smtClean="0"/>
-              <a:t>Wrapping</a:t>
+              <a:rPr lang="en-AU" dirty="0"/>
+              <a:t>f</a:t>
+            </a:r>
+            <a:r>
+              <a:rPr lang="en-AU" dirty="0" smtClean="0"/>
+              <a:t>lex-grow, flex-shrink, flex-basis</a:t>
             </a:r>
             <a:endParaRPr lang="en-AU" dirty="0"/>
           </a:p>
@@ -5308,82 +5512,71 @@
         </p:nvSpPr>
         <p:spPr/>
         <p:txBody>
-          <a:bodyPr/>
+          <a:bodyPr>
+            <a:normAutofit/>
+          </a:bodyPr>
           <a:lstStyle/>
           <a:p>
-            <a:r>
-              <a:rPr lang="en-AU" dirty="0" smtClean="0"/>
-              <a:t>Turn wrapping on</a:t>
+            <a:pPr marL="0" indent="0">
+              <a:buNone/>
+            </a:pPr>
+            <a:r>
+              <a:rPr lang="en-AU" dirty="0" smtClean="0"/>
+              <a:t>All of these operate on the main axis</a:t>
+            </a:r>
+          </a:p>
+          <a:p>
+            <a:r>
+              <a:rPr lang="en-AU" dirty="0" smtClean="0"/>
+              <a:t>Flex-grow</a:t>
             </a:r>
           </a:p>
           <a:p>
             <a:pPr lvl="1"/>
             <a:r>
-              <a:rPr lang="en-AU" sz="2000" dirty="0">
-                <a:latin typeface="Consolas" panose="020B0609020204030204" pitchFamily="49" charset="0"/>
-              </a:rPr>
-              <a:t>f</a:t>
-            </a:r>
-            <a:r>
-              <a:rPr lang="en-AU" sz="2000" dirty="0" smtClean="0">
-                <a:latin typeface="Consolas" panose="020B0609020204030204" pitchFamily="49" charset="0"/>
-              </a:rPr>
-              <a:t>lex-wrap: [wrap, wrap-reverse];</a:t>
-            </a:r>
-          </a:p>
-          <a:p>
-            <a:r>
-              <a:rPr lang="en-AU" dirty="0" smtClean="0"/>
-              <a:t>Set spacing between rows</a:t>
+              <a:rPr lang="en-AU" dirty="0" smtClean="0"/>
+              <a:t>Controls how an item grows to occupy extra space</a:t>
+            </a:r>
+          </a:p>
+          <a:p>
+            <a:r>
+              <a:rPr lang="en-AU" dirty="0" smtClean="0"/>
+              <a:t>Flex-shrink</a:t>
             </a:r>
           </a:p>
           <a:p>
             <a:pPr lvl="1"/>
             <a:r>
-              <a:rPr lang="en-US" sz="2000" dirty="0" smtClean="0">
-                <a:latin typeface="Consolas" panose="020B0609020204030204" pitchFamily="49" charset="0"/>
-              </a:rPr>
-              <a:t>align-content: [fl..-s...., fl..-e.., </a:t>
-            </a:r>
-            <a:r>
-              <a:rPr lang="en-US" sz="2000" dirty="0" err="1" smtClean="0">
-                <a:latin typeface="Consolas" panose="020B0609020204030204" pitchFamily="49" charset="0"/>
-              </a:rPr>
-              <a:t>ce</a:t>
-            </a:r>
-            <a:r>
-              <a:rPr lang="en-US" sz="2000" dirty="0" smtClean="0">
-                <a:latin typeface="Consolas" panose="020B0609020204030204" pitchFamily="49" charset="0"/>
-              </a:rPr>
-              <a:t>...., </a:t>
-            </a:r>
-            <a:r>
-              <a:rPr lang="en-US" sz="2000" dirty="0" err="1" smtClean="0">
-                <a:latin typeface="Consolas" panose="020B0609020204030204" pitchFamily="49" charset="0"/>
-              </a:rPr>
-              <a:t>st.</a:t>
-            </a:r>
-            <a:r>
-              <a:rPr lang="en-US" sz="2000" dirty="0" smtClean="0">
-                <a:latin typeface="Consolas" panose="020B0609020204030204" pitchFamily="49" charset="0"/>
-              </a:rPr>
-              <a:t>...., sp...-ar...., sp...-b......]; </a:t>
-            </a:r>
-            <a:endParaRPr lang="en-AU" sz="2000" dirty="0" smtClean="0">
-              <a:latin typeface="Consolas" panose="020B0609020204030204" pitchFamily="49" charset="0"/>
-            </a:endParaRPr>
-          </a:p>
-          <a:p>
-            <a:r>
-              <a:rPr lang="en-AU" dirty="0" smtClean="0"/>
-              <a:t>Alignment (justify-content and align-items)</a:t>
+              <a:rPr lang="en-AU" dirty="0" smtClean="0"/>
+              <a:t>Controls how an item shrinks when there isn’t enough space</a:t>
+            </a:r>
+          </a:p>
+          <a:p>
+            <a:r>
+              <a:rPr lang="en-AU" dirty="0" smtClean="0"/>
+              <a:t>Flex-basis</a:t>
             </a:r>
           </a:p>
           <a:p>
             <a:pPr lvl="1"/>
             <a:r>
               <a:rPr lang="en-AU" dirty="0" smtClean="0"/>
-              <a:t>Applies to each row individually</a:t>
+              <a:t>Sets the </a:t>
+            </a:r>
+            <a:r>
+              <a:rPr lang="en-AU" i="1" dirty="0" smtClean="0"/>
+              <a:t>ideal width </a:t>
+            </a:r>
+            <a:r>
+              <a:rPr lang="en-AU" dirty="0" smtClean="0"/>
+              <a:t>of an item</a:t>
+            </a:r>
+          </a:p>
+          <a:p>
+            <a:pPr lvl="1"/>
+            <a:r>
+              <a:rPr lang="en-AU" dirty="0" smtClean="0"/>
+              <a:t>May be constrained by min-width and min-height</a:t>
             </a:r>
             <a:endParaRPr lang="en-AU" dirty="0"/>
           </a:p>
@@ -5392,7 +5585,7 @@
     </p:spTree>
     <p:extLst>
       <p:ext uri="{BB962C8B-B14F-4D97-AF65-F5344CB8AC3E}">
-        <p14:creationId xmlns:p14="http://schemas.microsoft.com/office/powerpoint/2010/main" val="3000984987"/>
+        <p14:creationId xmlns:p14="http://schemas.microsoft.com/office/powerpoint/2010/main" val="1934584009"/>
       </p:ext>
     </p:extLst>
   </p:cSld>
@@ -5443,7 +5636,7 @@
           <a:p>
             <a:r>
               <a:rPr lang="en-AU" dirty="0" smtClean="0"/>
-              <a:t>Varying individual flex items</a:t>
+              <a:t>Flex-grow</a:t>
             </a:r>
             <a:endParaRPr lang="en-AU" dirty="0"/>
           </a:p>
@@ -5461,69 +5654,72 @@
         </p:nvSpPr>
         <p:spPr/>
         <p:txBody>
-          <a:bodyPr/>
+          <a:bodyPr>
+            <a:normAutofit/>
+          </a:bodyPr>
           <a:lstStyle/>
           <a:p>
-            <a:r>
-              <a:rPr lang="en-AU" dirty="0" smtClean="0"/>
-              <a:t>Over-ride cross axis alignment</a:t>
-            </a:r>
-          </a:p>
-          <a:p>
-            <a:pPr lvl="1"/>
-            <a:r>
-              <a:rPr lang="en-US" sz="2000" dirty="0" smtClean="0">
-                <a:latin typeface="Consolas" panose="020B0609020204030204" pitchFamily="49" charset="0"/>
-              </a:rPr>
-              <a:t>align-self: [flex-start, flex-end, center, stretch, space-around, space-between];</a:t>
-            </a:r>
-            <a:endParaRPr lang="en-AU" sz="2000" dirty="0" smtClean="0">
-              <a:latin typeface="Consolas" panose="020B0609020204030204" pitchFamily="49" charset="0"/>
-            </a:endParaRPr>
-          </a:p>
-          <a:p>
-            <a:r>
-              <a:rPr lang="en-AU" dirty="0" smtClean="0"/>
-              <a:t>Re-ordering display</a:t>
-            </a:r>
-          </a:p>
-          <a:p>
-            <a:pPr lvl="1"/>
-            <a:r>
-              <a:rPr lang="en-AU" sz="2000" dirty="0">
-                <a:latin typeface="Consolas" panose="020B0609020204030204" pitchFamily="49" charset="0"/>
-              </a:rPr>
-              <a:t>o</a:t>
-            </a:r>
-            <a:r>
-              <a:rPr lang="en-AU" sz="2000" dirty="0" smtClean="0">
-                <a:latin typeface="Consolas" panose="020B0609020204030204" pitchFamily="49" charset="0"/>
-              </a:rPr>
-              <a:t>rder: [integer];</a:t>
-            </a:r>
-            <a:endParaRPr lang="en-AU" sz="2000" dirty="0">
-              <a:latin typeface="Consolas" panose="020B0609020204030204" pitchFamily="49" charset="0"/>
-            </a:endParaRPr>
+            <a:pPr marL="0" indent="0">
+              <a:buNone/>
+            </a:pPr>
+            <a:r>
+              <a:rPr lang="en-US" dirty="0" smtClean="0"/>
+              <a:t>Applies to each row of the flex container (default: 0)</a:t>
+            </a:r>
+          </a:p>
+          <a:p>
+            <a:pPr marL="0" indent="0">
+              <a:buNone/>
+            </a:pPr>
+            <a:endParaRPr lang="en-US" dirty="0"/>
+          </a:p>
+          <a:p>
+            <a:pPr marL="0" indent="0">
+              <a:buNone/>
+            </a:pPr>
+            <a:r>
+              <a:rPr lang="en-US" dirty="0" smtClean="0"/>
+              <a:t>To calculate:</a:t>
+            </a:r>
+            <a:endParaRPr lang="en-US" dirty="0"/>
+          </a:p>
+          <a:p>
+            <a:r>
+              <a:rPr lang="en-US" dirty="0" smtClean="0"/>
+              <a:t>calculate unused space in the flex container</a:t>
+            </a:r>
+          </a:p>
+          <a:p>
+            <a:r>
+              <a:rPr lang="en-US" dirty="0" smtClean="0"/>
+              <a:t>add up all the flex-grow values</a:t>
+            </a:r>
+          </a:p>
+          <a:p>
+            <a:r>
+              <a:rPr lang="en-US" dirty="0" smtClean="0"/>
+              <a:t>divide each flex item's flex-grow by the total to get a ratio for growth</a:t>
+            </a:r>
+          </a:p>
+          <a:p>
+            <a:r>
+              <a:rPr lang="en-US" dirty="0" smtClean="0"/>
+              <a:t>allocate free space to each flex item according to the ratio</a:t>
+            </a:r>
+            <a:endParaRPr lang="en-AU" dirty="0"/>
           </a:p>
         </p:txBody>
       </p:sp>
     </p:spTree>
     <p:extLst>
       <p:ext uri="{BB962C8B-B14F-4D97-AF65-F5344CB8AC3E}">
-        <p14:creationId xmlns:p14="http://schemas.microsoft.com/office/powerpoint/2010/main" val="1591331209"/>
+        <p14:creationId xmlns:p14="http://schemas.microsoft.com/office/powerpoint/2010/main" val="1321884092"/>
       </p:ext>
     </p:extLst>
   </p:cSld>
   <p:clrMapOvr>
     <a:masterClrMapping/>
   </p:clrMapOvr>
-  <p:timing>
-    <p:tnLst>
-      <p:par>
-        <p:cTn id="1" dur="indefinite" restart="never" nodeType="tmRoot"/>
-      </p:par>
-    </p:tnLst>
-  </p:timing>
 </p:sld>
 </file>
 
@@ -5556,98 +5752,282 @@
         </p:nvSpPr>
         <p:spPr/>
         <p:txBody>
-          <a:bodyPr/>
-          <a:lstStyle/>
-          <a:p>
-            <a:r>
-              <a:rPr lang="en-AU" dirty="0"/>
-              <a:t>f</a:t>
-            </a:r>
-            <a:r>
-              <a:rPr lang="en-AU" dirty="0" smtClean="0"/>
-              <a:t>lex-grow, flex-shrink, flex-basis</a:t>
-            </a:r>
-            <a:endParaRPr lang="en-AU" dirty="0"/>
-          </a:p>
-        </p:txBody>
-      </p:sp>
-      <p:sp>
-        <p:nvSpPr>
-          <p:cNvPr id="3" name="Content Placeholder 2"/>
-          <p:cNvSpPr>
-            <a:spLocks noGrp="1"/>
-          </p:cNvSpPr>
-          <p:nvPr>
-            <p:ph idx="1"/>
-          </p:nvPr>
-        </p:nvSpPr>
-        <p:spPr/>
-        <p:txBody>
           <a:bodyPr>
             <a:normAutofit/>
           </a:bodyPr>
           <a:lstStyle/>
           <a:p>
-            <a:pPr marL="0" indent="0">
-              <a:buNone/>
-            </a:pPr>
-            <a:r>
-              <a:rPr lang="en-AU" dirty="0" smtClean="0"/>
-              <a:t>All of these operate on the main axis</a:t>
-            </a:r>
-          </a:p>
-          <a:p>
-            <a:r>
-              <a:rPr lang="en-AU" dirty="0" smtClean="0"/>
-              <a:t>Flex-grow</a:t>
+            <a:r>
+              <a:rPr lang="en-AU" dirty="0" smtClean="0"/>
+              <a:t>Flex-grow examples</a:t>
+            </a:r>
+            <a:endParaRPr lang="en-AU" dirty="0"/>
+          </a:p>
+        </p:txBody>
+      </p:sp>
+      <p:sp>
+        <p:nvSpPr>
+          <p:cNvPr id="4" name="Content Placeholder 3"/>
+          <p:cNvSpPr>
+            <a:spLocks noGrp="1"/>
+          </p:cNvSpPr>
+          <p:nvPr>
+            <p:ph sz="half" idx="1"/>
+          </p:nvPr>
+        </p:nvSpPr>
+        <p:spPr/>
+        <p:txBody>
+          <a:bodyPr/>
+          <a:lstStyle/>
+          <a:p>
+            <a:r>
+              <a:rPr lang="en-US" dirty="0" smtClean="0"/>
+              <a:t>flex </a:t>
+            </a:r>
+            <a:r>
+              <a:rPr lang="en-US" dirty="0"/>
+              <a:t>container 400px</a:t>
+            </a:r>
+          </a:p>
+          <a:p>
+            <a:r>
+              <a:rPr lang="en-US" dirty="0" smtClean="0"/>
+              <a:t>3 </a:t>
+            </a:r>
+            <a:r>
+              <a:rPr lang="en-US" dirty="0"/>
+              <a:t>items </a:t>
             </a:r>
           </a:p>
           <a:p>
             <a:pPr lvl="1"/>
             <a:r>
-              <a:rPr lang="en-AU" dirty="0" smtClean="0"/>
-              <a:t>Controls how an item grows to occupy extra space</a:t>
-            </a:r>
-          </a:p>
-          <a:p>
-            <a:r>
-              <a:rPr lang="en-AU" dirty="0" smtClean="0"/>
-              <a:t>Flex-shrink</a:t>
+              <a:rPr lang="en-US" dirty="0" smtClean="0"/>
+              <a:t>100px </a:t>
+            </a:r>
+            <a:r>
+              <a:rPr lang="en-US" dirty="0"/>
+              <a:t>each</a:t>
             </a:r>
           </a:p>
           <a:p>
             <a:pPr lvl="1"/>
             <a:r>
-              <a:rPr lang="en-AU" dirty="0" smtClean="0"/>
-              <a:t>Controls how an item shrinks when there isn’t enough space</a:t>
-            </a:r>
-          </a:p>
-          <a:p>
-            <a:r>
-              <a:rPr lang="en-AU" dirty="0" smtClean="0"/>
-              <a:t>Flex-basis</a:t>
+              <a:rPr lang="en-US" dirty="0" smtClean="0"/>
+              <a:t>each </a:t>
+            </a:r>
+            <a:r>
+              <a:rPr lang="en-US" dirty="0"/>
+              <a:t>with </a:t>
+            </a:r>
+            <a:r>
+              <a:rPr lang="en-US" dirty="0" smtClean="0"/>
+              <a:t>flex-grow</a:t>
+            </a:r>
+            <a:r>
+              <a:rPr lang="en-US" dirty="0"/>
+              <a:t>: 1</a:t>
+            </a:r>
+            <a:r>
+              <a:rPr lang="en-US" dirty="0" smtClean="0"/>
+              <a:t>;</a:t>
+            </a:r>
+            <a:endParaRPr lang="en-US" dirty="0"/>
+          </a:p>
+          <a:p>
+            <a:r>
+              <a:rPr lang="en-US" dirty="0" smtClean="0"/>
+              <a:t>free </a:t>
+            </a:r>
+            <a:r>
+              <a:rPr lang="en-US" dirty="0"/>
+              <a:t>space = 100px</a:t>
+            </a:r>
+          </a:p>
+          <a:p>
+            <a:r>
+              <a:rPr lang="en-US" dirty="0" smtClean="0"/>
+              <a:t>total </a:t>
+            </a:r>
+            <a:r>
+              <a:rPr lang="en-US" dirty="0"/>
+              <a:t>of flex-grow values = 3</a:t>
+            </a:r>
+          </a:p>
+          <a:p>
+            <a:r>
+              <a:rPr lang="en-US" dirty="0" smtClean="0"/>
+              <a:t>each </a:t>
+            </a:r>
+            <a:r>
+              <a:rPr lang="en-US" dirty="0"/>
+              <a:t>item gains 100px * 1/3 = 33.3px</a:t>
+            </a:r>
+            <a:endParaRPr lang="en-AU" dirty="0"/>
+          </a:p>
+        </p:txBody>
+      </p:sp>
+      <p:sp>
+        <p:nvSpPr>
+          <p:cNvPr id="5" name="Content Placeholder 4"/>
+          <p:cNvSpPr>
+            <a:spLocks noGrp="1"/>
+          </p:cNvSpPr>
+          <p:nvPr>
+            <p:ph sz="half" idx="2"/>
+          </p:nvPr>
+        </p:nvSpPr>
+        <p:spPr/>
+        <p:txBody>
+          <a:bodyPr/>
+          <a:lstStyle/>
+          <a:p>
+            <a:r>
+              <a:rPr lang="en-US" dirty="0" smtClean="0"/>
+              <a:t>flex </a:t>
+            </a:r>
+            <a:r>
+              <a:rPr lang="en-US" dirty="0"/>
+              <a:t>container 400px</a:t>
+            </a:r>
+          </a:p>
+          <a:p>
+            <a:r>
+              <a:rPr lang="en-US" dirty="0" smtClean="0"/>
+              <a:t>3 </a:t>
+            </a:r>
+            <a:r>
+              <a:rPr lang="en-US" dirty="0"/>
+              <a:t>items </a:t>
             </a:r>
           </a:p>
           <a:p>
             <a:pPr lvl="1"/>
             <a:r>
-              <a:rPr lang="en-AU" dirty="0" smtClean="0"/>
-              <a:t>Sets the </a:t>
-            </a:r>
-            <a:r>
-              <a:rPr lang="en-AU" i="1" dirty="0" smtClean="0"/>
-              <a:t>ideal width </a:t>
-            </a:r>
-            <a:r>
-              <a:rPr lang="en-AU" dirty="0" smtClean="0"/>
-              <a:t>of an item</a:t>
+              <a:rPr lang="en-US" dirty="0" smtClean="0"/>
+              <a:t>100px </a:t>
+            </a:r>
+            <a:r>
+              <a:rPr lang="en-US" dirty="0"/>
+              <a:t>each</a:t>
             </a:r>
           </a:p>
           <a:p>
             <a:pPr lvl="1"/>
             <a:r>
-              <a:rPr lang="en-AU" dirty="0" smtClean="0"/>
-              <a:t>May be constrained by min-width and min-height</a:t>
+              <a:rPr lang="en-US" dirty="0" smtClean="0"/>
+              <a:t>DIVs </a:t>
+            </a:r>
+            <a:r>
+              <a:rPr lang="en-US" dirty="0"/>
+              <a:t>1 &amp; 2 with </a:t>
+            </a:r>
+            <a:r>
+              <a:rPr lang="en-US" dirty="0" smtClean="0"/>
+              <a:t>flex-grow</a:t>
+            </a:r>
+            <a:r>
+              <a:rPr lang="en-US" dirty="0"/>
+              <a:t>: 1</a:t>
+            </a:r>
+            <a:r>
+              <a:rPr lang="en-US" dirty="0" smtClean="0"/>
+              <a:t>;</a:t>
+            </a:r>
+            <a:endParaRPr lang="en-US" dirty="0"/>
+          </a:p>
+          <a:p>
+            <a:pPr lvl="1"/>
+            <a:r>
+              <a:rPr lang="en-US" dirty="0" smtClean="0"/>
+              <a:t>DIV </a:t>
+            </a:r>
+            <a:r>
+              <a:rPr lang="en-US" dirty="0"/>
+              <a:t>3 with </a:t>
+            </a:r>
+            <a:r>
+              <a:rPr lang="en-US" dirty="0" smtClean="0"/>
+              <a:t>flex-grow</a:t>
+            </a:r>
+            <a:r>
+              <a:rPr lang="en-US" dirty="0"/>
+              <a:t>: 2</a:t>
+            </a:r>
+            <a:r>
+              <a:rPr lang="en-US" dirty="0" smtClean="0"/>
+              <a:t>;</a:t>
+            </a:r>
+            <a:endParaRPr lang="en-US" dirty="0"/>
+          </a:p>
+          <a:p>
+            <a:r>
+              <a:rPr lang="en-US" dirty="0" smtClean="0"/>
+              <a:t>free </a:t>
+            </a:r>
+            <a:r>
+              <a:rPr lang="en-US" dirty="0"/>
+              <a:t>space = 100px</a:t>
+            </a:r>
+          </a:p>
+          <a:p>
+            <a:r>
+              <a:rPr lang="en-US" dirty="0" smtClean="0"/>
+              <a:t>total </a:t>
+            </a:r>
+            <a:r>
+              <a:rPr lang="en-US" dirty="0"/>
+              <a:t>of flex-grow values = 4</a:t>
+            </a:r>
+          </a:p>
+          <a:p>
+            <a:r>
+              <a:rPr lang="en-US" dirty="0" smtClean="0"/>
+              <a:t>DIVs </a:t>
+            </a:r>
+            <a:r>
+              <a:rPr lang="en-US" dirty="0"/>
+              <a:t>1 &amp; 2 gains 100px * 1/4 = 25px</a:t>
+            </a:r>
+          </a:p>
+          <a:p>
+            <a:r>
+              <a:rPr lang="en-US" dirty="0" smtClean="0"/>
+              <a:t>DIV </a:t>
+            </a:r>
+            <a:r>
+              <a:rPr lang="en-US" dirty="0"/>
+              <a:t>3 gains 100px * 2/4 = 50px</a:t>
+            </a:r>
+            <a:endParaRPr lang="en-AU" dirty="0"/>
+          </a:p>
+        </p:txBody>
+      </p:sp>
+      <p:sp>
+        <p:nvSpPr>
+          <p:cNvPr id="6" name="TextBox 5"/>
+          <p:cNvSpPr txBox="1"/>
+          <p:nvPr/>
+        </p:nvSpPr>
+        <p:spPr>
+          <a:xfrm>
+            <a:off x="2265257" y="5756420"/>
+            <a:ext cx="7112845" cy="369332"/>
+          </a:xfrm>
+          <a:prstGeom prst="rect">
+            <a:avLst/>
+          </a:prstGeom>
+          <a:noFill/>
+        </p:spPr>
+        <p:txBody>
+          <a:bodyPr wrap="none" rtlCol="0">
+            <a:spAutoFit/>
+          </a:bodyPr>
+          <a:lstStyle/>
+          <a:p>
+            <a:r>
+              <a:rPr lang="en-AU" dirty="0" smtClean="0"/>
+              <a:t>Extra width = free space * (ratio of flex-grow to total flex-grow)</a:t>
             </a:r>
             <a:endParaRPr lang="en-AU" dirty="0"/>
           </a:p>
@@ -5656,20 +6036,13 @@
     </p:spTree>
     <p:extLst>
       <p:ext uri="{BB962C8B-B14F-4D97-AF65-F5344CB8AC3E}">
-        <p14:creationId xmlns:p14="http://schemas.microsoft.com/office/powerpoint/2010/main" val="1934584009"/>
+        <p14:creationId xmlns:p14="http://schemas.microsoft.com/office/powerpoint/2010/main" val="2698020805"/>
       </p:ext>
     </p:extLst>
   </p:cSld>
   <p:clrMapOvr>
     <a:masterClrMapping/>
   </p:clrMapOvr>
-  <p:timing>
-    <p:tnLst>
-      <p:par>
-        <p:cTn id="1" dur="indefinite" restart="never" nodeType="tmRoot"/>
-      </p:par>
-    </p:tnLst>
-  </p:timing>
 </p:sld>
 </file>
 
@@ -5707,7 +6080,7 @@
           <a:p>
             <a:r>
               <a:rPr lang="en-AU" dirty="0" smtClean="0"/>
-              <a:t>Flex-grow</a:t>
+              <a:t>Flex-shrink</a:t>
             </a:r>
             <a:endParaRPr lang="en-AU" dirty="0"/>
           </a:p>
@@ -5725,57 +6098,97 @@
         </p:nvSpPr>
         <p:spPr/>
         <p:txBody>
-          <a:bodyPr>
-            <a:normAutofit/>
-          </a:bodyPr>
+          <a:bodyPr/>
           <a:lstStyle/>
           <a:p>
             <a:pPr marL="0" indent="0">
               <a:buNone/>
             </a:pPr>
             <a:r>
-              <a:rPr lang="en-US" dirty="0" smtClean="0"/>
-              <a:t>Applies to each row of the flex container (default: 0)</a:t>
+              <a:rPr lang="en-AU" dirty="0" smtClean="0"/>
+              <a:t>Applies to each row of the flex container (default: 1)</a:t>
             </a:r>
           </a:p>
           <a:p>
             <a:pPr marL="0" indent="0">
               <a:buNone/>
             </a:pPr>
-            <a:endParaRPr lang="en-US" dirty="0"/>
+            <a:endParaRPr lang="en-AU" dirty="0"/>
           </a:p>
           <a:p>
             <a:pPr marL="0" indent="0">
               <a:buNone/>
             </a:pPr>
             <a:r>
-              <a:rPr lang="en-US" dirty="0" smtClean="0"/>
+              <a:rPr lang="en-AU" dirty="0" smtClean="0"/>
+              <a:t>Like flex-grow, shrink will be governed by the ratio of each flex item’s flex-shrink to the others.</a:t>
+            </a:r>
+          </a:p>
+          <a:p>
+            <a:pPr marL="0" indent="0">
+              <a:buNone/>
+            </a:pPr>
+            <a:r>
+              <a:rPr lang="en-AU" dirty="0" smtClean="0"/>
               <a:t>To calculate:</a:t>
             </a:r>
-            <a:endParaRPr lang="en-US" dirty="0"/>
-          </a:p>
-          <a:p>
-            <a:r>
-              <a:rPr lang="en-US" dirty="0" smtClean="0"/>
-              <a:t>calculate unused space in the flex container</a:t>
-            </a:r>
-          </a:p>
-          <a:p>
-            <a:r>
-              <a:rPr lang="en-US" dirty="0" smtClean="0"/>
-              <a:t>add up all the flex-grow values</a:t>
-            </a:r>
-          </a:p>
-          <a:p>
-            <a:r>
-              <a:rPr lang="en-US" dirty="0" smtClean="0"/>
-              <a:t>divide each flex item's flex-grow by the total to get a ratio for growth</a:t>
-            </a:r>
-          </a:p>
-          <a:p>
-            <a:r>
-              <a:rPr lang="en-US" dirty="0" smtClean="0"/>
-              <a:t>allocate free space to each flex item according to the ratio</a:t>
+          </a:p>
+          <a:p>
+            <a:pPr>
+              <a:buFont typeface="Arial" panose="020B0604020202020204" pitchFamily="34" charset="0"/>
+              <a:buChar char="•"/>
+            </a:pPr>
+            <a:r>
+              <a:rPr lang="en-AU" dirty="0" smtClean="0"/>
+              <a:t>Calculate</a:t>
+            </a:r>
+            <a:r>
+              <a:rPr lang="en-AU" dirty="0" smtClean="0"/>
+              <a:t> how much space has to be shaved off the flex items to fit the container</a:t>
+            </a:r>
+          </a:p>
+          <a:p>
+            <a:pPr>
+              <a:buFont typeface="Arial" panose="020B0604020202020204" pitchFamily="34" charset="0"/>
+              <a:buChar char="•"/>
+            </a:pPr>
+            <a:r>
+              <a:rPr lang="en-AU" dirty="0" smtClean="0"/>
+              <a:t>Add up all the flex-shrink values</a:t>
+            </a:r>
+          </a:p>
+          <a:p>
+            <a:pPr>
+              <a:buFont typeface="Arial" panose="020B0604020202020204" pitchFamily="34" charset="0"/>
+              <a:buChar char="•"/>
+            </a:pPr>
+            <a:r>
+              <a:rPr lang="en-AU" dirty="0" smtClean="0"/>
+              <a:t>For each flex item, shave off width according to the ratio of the flex-shrink</a:t>
+            </a:r>
+          </a:p>
+          <a:p>
+            <a:pPr>
+              <a:buFont typeface="Arial" panose="020B0604020202020204" pitchFamily="34" charset="0"/>
+              <a:buChar char="•"/>
+            </a:pPr>
+            <a:endParaRPr lang="en-AU" dirty="0"/>
+          </a:p>
+          <a:p>
+            <a:pPr marL="0" indent="0">
+              <a:buNone/>
+            </a:pPr>
+            <a:r>
+              <a:rPr lang="en-AU" dirty="0" smtClean="0"/>
+              <a:t>Amount to shave off = </a:t>
+            </a:r>
+            <a:r>
+              <a:rPr lang="en-AU" dirty="0" smtClean="0"/>
+              <a:t>total </a:t>
+            </a:r>
+            <a:r>
+              <a:rPr lang="en-AU" dirty="0" smtClean="0"/>
+              <a:t>amount to shave * (flex-shrink / total of flex-shrink)</a:t>
             </a:r>
             <a:endParaRPr lang="en-AU" dirty="0"/>
           </a:p>
@@ -5784,7 +6197,7 @@
     </p:spTree>
     <p:extLst>
       <p:ext uri="{BB962C8B-B14F-4D97-AF65-F5344CB8AC3E}">
-        <p14:creationId xmlns:p14="http://schemas.microsoft.com/office/powerpoint/2010/main" val="1321884092"/>
+        <p14:creationId xmlns:p14="http://schemas.microsoft.com/office/powerpoint/2010/main" val="2765010255"/>
       </p:ext>
     </p:extLst>
   </p:cSld>
@@ -5828,7 +6241,7 @@
           <a:p>
             <a:r>
               <a:rPr lang="en-AU" dirty="0" smtClean="0"/>
-              <a:t>Flex-shrink</a:t>
+              <a:t>Flex-basis</a:t>
             </a:r>
             <a:endParaRPr lang="en-AU" dirty="0"/>
           </a:p>
@@ -5846,45 +6259,68 @@
         </p:nvSpPr>
         <p:spPr/>
         <p:txBody>
-          <a:bodyPr/>
+          <a:bodyPr>
+            <a:normAutofit/>
+          </a:bodyPr>
           <a:lstStyle/>
           <a:p>
-            <a:pPr marL="0" indent="0">
-              <a:buNone/>
-            </a:pPr>
-            <a:r>
-              <a:rPr lang="en-AU" dirty="0" smtClean="0"/>
-              <a:t>Applies to each row of the flex container (default: 1)</a:t>
-            </a:r>
-          </a:p>
-          <a:p>
-            <a:pPr marL="0" indent="0">
-              <a:buNone/>
-            </a:pPr>
-            <a:endParaRPr lang="en-AU" dirty="0"/>
-          </a:p>
-          <a:p>
-            <a:pPr marL="0" indent="0">
-              <a:buNone/>
-            </a:pPr>
-            <a:r>
-              <a:rPr lang="en-AU" dirty="0" smtClean="0"/>
-              <a:t>Like flex-grow, shrink will be governed by the ratio of each flex item’s flex-shrink to the others.</a:t>
-            </a:r>
-          </a:p>
-          <a:p>
-            <a:pPr marL="0" indent="0">
-              <a:buNone/>
-            </a:pPr>
-            <a:endParaRPr lang="en-AU" dirty="0"/>
-          </a:p>
-          <a:p>
-            <a:pPr marL="0" indent="0">
-              <a:buNone/>
-            </a:pPr>
-            <a:r>
-              <a:rPr lang="en-AU" dirty="0" smtClean="0"/>
-              <a:t>((HOW IS FLEX_SHRINK CALCULATED?))</a:t>
+            <a:r>
+              <a:rPr lang="en-AU" dirty="0" smtClean="0"/>
+              <a:t>Determines the </a:t>
+            </a:r>
+            <a:r>
+              <a:rPr lang="en-AU" i="1" dirty="0" smtClean="0"/>
+              <a:t>ideal</a:t>
+            </a:r>
+            <a:r>
+              <a:rPr lang="en-AU" dirty="0" smtClean="0"/>
+              <a:t> of an item</a:t>
+            </a:r>
+          </a:p>
+          <a:p>
+            <a:r>
+              <a:rPr lang="en-AU" dirty="0" smtClean="0"/>
+              <a:t>Constrained by min-width and max-width</a:t>
+            </a:r>
+          </a:p>
+          <a:p>
+            <a:r>
+              <a:rPr lang="en-AU" dirty="0" smtClean="0"/>
+              <a:t>How is width determined</a:t>
+            </a:r>
+          </a:p>
+          <a:p>
+            <a:pPr lvl="1"/>
+            <a:r>
+              <a:rPr lang="en-AU" dirty="0" smtClean="0"/>
+              <a:t>Flex-basis wins</a:t>
+            </a:r>
+          </a:p>
+          <a:p>
+            <a:pPr lvl="1"/>
+            <a:r>
+              <a:rPr lang="en-AU" dirty="0" smtClean="0"/>
+              <a:t>Width property of the item</a:t>
+            </a:r>
+          </a:p>
+          <a:p>
+            <a:pPr lvl="1"/>
+            <a:r>
+              <a:rPr lang="en-AU" dirty="0" smtClean="0"/>
+              <a:t>Content width</a:t>
+            </a:r>
+          </a:p>
+          <a:p>
+            <a:r>
+              <a:rPr lang="en-AU" dirty="0" smtClean="0"/>
+              <a:t>Default: auto</a:t>
+            </a:r>
+          </a:p>
+          <a:p>
+            <a:pPr lvl="1"/>
+            <a:r>
+              <a:rPr lang="en-AU" dirty="0" smtClean="0"/>
+              <a:t>Defers to the rules above</a:t>
             </a:r>
             <a:endParaRPr lang="en-AU" dirty="0"/>
           </a:p>
@@ -5893,7 +6329,7 @@
     </p:spTree>
     <p:extLst>
       <p:ext uri="{BB962C8B-B14F-4D97-AF65-F5344CB8AC3E}">
-        <p14:creationId xmlns:p14="http://schemas.microsoft.com/office/powerpoint/2010/main" val="2765010255"/>
+        <p14:creationId xmlns:p14="http://schemas.microsoft.com/office/powerpoint/2010/main" val="50385303"/>
       </p:ext>
     </p:extLst>
   </p:cSld>
@@ -5937,7 +6373,7 @@
           <a:p>
             <a:r>
               <a:rPr lang="en-AU" dirty="0" smtClean="0"/>
-              <a:t>Flex-basis</a:t>
+              <a:t>Wrapping</a:t>
             </a:r>
             <a:endParaRPr lang="en-AU" dirty="0"/>
           </a:p>
@@ -5955,68 +6391,82 @@
         </p:nvSpPr>
         <p:spPr/>
         <p:txBody>
-          <a:bodyPr>
-            <a:normAutofit/>
-          </a:bodyPr>
+          <a:bodyPr/>
           <a:lstStyle/>
           <a:p>
             <a:r>
               <a:rPr lang="en-AU" dirty="0" smtClean="0"/>
-              <a:t>Determines the </a:t>
-            </a:r>
-            <a:r>
-              <a:rPr lang="en-AU" i="1" dirty="0" smtClean="0"/>
-              <a:t>ideal</a:t>
-            </a:r>
-            <a:r>
-              <a:rPr lang="en-AU" dirty="0" smtClean="0"/>
-              <a:t> of an item</a:t>
-            </a:r>
-          </a:p>
-          <a:p>
-            <a:r>
-              <a:rPr lang="en-AU" dirty="0" smtClean="0"/>
-              <a:t>Constrained by min-width and max-width</a:t>
-            </a:r>
-          </a:p>
-          <a:p>
-            <a:r>
-              <a:rPr lang="en-AU" dirty="0" smtClean="0"/>
-              <a:t>How is width determined</a:t>
+              <a:t>Turn wrapping on</a:t>
             </a:r>
           </a:p>
           <a:p>
             <a:pPr lvl="1"/>
             <a:r>
-              <a:rPr lang="en-AU" dirty="0" smtClean="0"/>
-              <a:t>Flex-basis wins</a:t>
+              <a:rPr lang="en-AU" sz="2000" dirty="0">
+                <a:latin typeface="Consolas" panose="020B0609020204030204" pitchFamily="49" charset="0"/>
+              </a:rPr>
+              <a:t>f</a:t>
+            </a:r>
+            <a:r>
+              <a:rPr lang="en-AU" sz="2000" dirty="0" smtClean="0">
+                <a:latin typeface="Consolas" panose="020B0609020204030204" pitchFamily="49" charset="0"/>
+              </a:rPr>
+              <a:t>lex-wrap: [wrap, wrap-reverse];</a:t>
+            </a:r>
+          </a:p>
+          <a:p>
+            <a:r>
+              <a:rPr lang="en-AU" dirty="0" smtClean="0"/>
+              <a:t>Set spacing between rows</a:t>
             </a:r>
           </a:p>
           <a:p>
             <a:pPr lvl="1"/>
             <a:r>
-              <a:rPr lang="en-AU" dirty="0" smtClean="0"/>
-              <a:t>Width property of the item</a:t>
+              <a:rPr lang="en-US" sz="2000" dirty="0" smtClean="0">
+                <a:latin typeface="Consolas" panose="020B0609020204030204" pitchFamily="49" charset="0"/>
+              </a:rPr>
+              <a:t>align-content: [fl..-s...., fl..-e.., </a:t>
+            </a:r>
+            <a:r>
+              <a:rPr lang="en-US" sz="2000" dirty="0" err="1" smtClean="0">
+                <a:latin typeface="Consolas" panose="020B0609020204030204" pitchFamily="49" charset="0"/>
+              </a:rPr>
+              <a:t>ce</a:t>
+            </a:r>
+            <a:r>
+              <a:rPr lang="en-US" sz="2000" dirty="0" smtClean="0">
+                <a:latin typeface="Consolas" panose="020B0609020204030204" pitchFamily="49" charset="0"/>
+              </a:rPr>
+              <a:t>...., </a:t>
+            </a:r>
+            <a:r>
+              <a:rPr lang="en-US" sz="2000" dirty="0" err="1" smtClean="0">
+                <a:latin typeface="Consolas" panose="020B0609020204030204" pitchFamily="49" charset="0"/>
+              </a:rPr>
+              <a:t>st.</a:t>
+            </a:r>
+            <a:r>
+              <a:rPr lang="en-US" sz="2000" dirty="0" smtClean="0">
+                <a:latin typeface="Consolas" panose="020B0609020204030204" pitchFamily="49" charset="0"/>
+              </a:rPr>
+              <a:t>...., sp...-ar...., sp...-b......]; </a:t>
+            </a:r>
+            <a:endParaRPr lang="en-AU" sz="2000" dirty="0" smtClean="0">
+              <a:latin typeface="Consolas" panose="020B0609020204030204" pitchFamily="49" charset="0"/>
+            </a:endParaRPr>
+          </a:p>
+          <a:p>
+            <a:r>
+              <a:rPr lang="en-AU" dirty="0" smtClean="0"/>
+              <a:t>Alignment (justify-content and align-items)</a:t>
             </a:r>
           </a:p>
           <a:p>
             <a:pPr lvl="1"/>
             <a:r>
               <a:rPr lang="en-AU" dirty="0" smtClean="0"/>
-              <a:t>Content width</a:t>
-            </a:r>
-          </a:p>
-          <a:p>
-            <a:r>
-              <a:rPr lang="en-AU" dirty="0" smtClean="0"/>
-              <a:t>Default: auto</a:t>
-            </a:r>
-          </a:p>
-          <a:p>
-            <a:pPr lvl="1"/>
-            <a:r>
-              <a:rPr lang="en-AU" dirty="0" smtClean="0"/>
-              <a:t>Defers to the rules above</a:t>
+              <a:t>Applies to each row individually</a:t>
             </a:r>
             <a:endParaRPr lang="en-AU" dirty="0"/>
           </a:p>
@@ -6025,13 +6475,20 @@
     </p:spTree>
     <p:extLst>
       <p:ext uri="{BB962C8B-B14F-4D97-AF65-F5344CB8AC3E}">
-        <p14:creationId xmlns:p14="http://schemas.microsoft.com/office/powerpoint/2010/main" val="50385303"/>
+        <p14:creationId xmlns:p14="http://schemas.microsoft.com/office/powerpoint/2010/main" val="3000984987"/>
       </p:ext>
     </p:extLst>
   </p:cSld>
   <p:clrMapOvr>
     <a:masterClrMapping/>
   </p:clrMapOvr>
+  <p:timing>
+    <p:tnLst>
+      <p:par>
+        <p:cTn id="1" dur="indefinite" restart="never" nodeType="tmRoot"/>
+      </p:par>
+    </p:tnLst>
+  </p:timing>
 </p:sld>
 </file>
 
